--- a/4차발표/4차발표.pptx
+++ b/4차발표/4차발표.pptx
@@ -5,16 +5,15 @@
     <p:sldMasterId id="2147483648" r:id="rId1"/>
   </p:sldMasterIdLst>
   <p:notesMasterIdLst>
-    <p:notesMasterId r:id="rId9"/>
+    <p:notesMasterId r:id="rId8"/>
   </p:notesMasterIdLst>
   <p:sldIdLst>
     <p:sldId id="256" r:id="rId2"/>
-    <p:sldId id="258" r:id="rId3"/>
-    <p:sldId id="259" r:id="rId4"/>
-    <p:sldId id="260" r:id="rId5"/>
-    <p:sldId id="262" r:id="rId6"/>
-    <p:sldId id="273" r:id="rId7"/>
-    <p:sldId id="268" r:id="rId8"/>
+    <p:sldId id="259" r:id="rId3"/>
+    <p:sldId id="260" r:id="rId4"/>
+    <p:sldId id="262" r:id="rId5"/>
+    <p:sldId id="273" r:id="rId6"/>
+    <p:sldId id="268" r:id="rId7"/>
   </p:sldIdLst>
   <p:sldSz cx="12192000" cy="6858000"/>
   <p:notesSz cx="6858000" cy="9144000"/>
@@ -327,7 +326,7 @@
           <a:p>
             <a:fld id="{369F4FF0-B034-4793-8C36-856857F4ED69}" type="datetimeFigureOut">
               <a:rPr lang="ko-KR" altLang="en-US" smtClean="0"/>
-              <a:t>2017-12-25</a:t>
+              <a:t>2017-12-26</a:t>
             </a:fld>
             <a:endParaRPr lang="ko-KR" altLang="en-US"/>
           </a:p>
@@ -741,7 +740,7 @@
           <a:p>
             <a:fld id="{F801B0FC-B5E2-4D95-829D-1DBF3EDAE182}" type="datetime1">
               <a:rPr lang="ko-KR" altLang="en-US" smtClean="0"/>
-              <a:t>2017-12-25</a:t>
+              <a:t>2017-12-26</a:t>
             </a:fld>
             <a:endParaRPr lang="ko-KR" altLang="en-US"/>
           </a:p>
@@ -943,7 +942,7 @@
           <a:p>
             <a:fld id="{4F5DD7F6-8A45-4B7E-B7A2-A247D68D72C3}" type="datetime1">
               <a:rPr lang="ko-KR" altLang="en-US" smtClean="0"/>
-              <a:t>2017-12-25</a:t>
+              <a:t>2017-12-26</a:t>
             </a:fld>
             <a:endParaRPr lang="ko-KR" altLang="en-US"/>
           </a:p>
@@ -1155,7 +1154,7 @@
           <a:p>
             <a:fld id="{B2EC53B2-5AC3-4888-9DEC-D3E58C8146A6}" type="datetime1">
               <a:rPr lang="ko-KR" altLang="en-US" smtClean="0"/>
-              <a:t>2017-12-25</a:t>
+              <a:t>2017-12-26</a:t>
             </a:fld>
             <a:endParaRPr lang="ko-KR" altLang="en-US"/>
           </a:p>
@@ -1357,7 +1356,7 @@
           <a:p>
             <a:fld id="{C1EEB8E8-AFE8-494B-A120-EE77C74E4C73}" type="datetime1">
               <a:rPr lang="ko-KR" altLang="en-US" smtClean="0"/>
-              <a:t>2017-12-25</a:t>
+              <a:t>2017-12-26</a:t>
             </a:fld>
             <a:endParaRPr lang="ko-KR" altLang="en-US"/>
           </a:p>
@@ -1636,7 +1635,7 @@
           <a:p>
             <a:fld id="{DD8D29B9-9A5A-419C-9719-A518F770B7F2}" type="datetime1">
               <a:rPr lang="ko-KR" altLang="en-US" smtClean="0"/>
-              <a:t>2017-12-25</a:t>
+              <a:t>2017-12-26</a:t>
             </a:fld>
             <a:endParaRPr lang="ko-KR" altLang="en-US"/>
           </a:p>
@@ -1905,7 +1904,7 @@
           <a:p>
             <a:fld id="{2D2119AB-4E0C-44FC-82F9-B31039CE7E8B}" type="datetime1">
               <a:rPr lang="ko-KR" altLang="en-US" smtClean="0"/>
-              <a:t>2017-12-25</a:t>
+              <a:t>2017-12-26</a:t>
             </a:fld>
             <a:endParaRPr lang="ko-KR" altLang="en-US"/>
           </a:p>
@@ -2321,7 +2320,7 @@
           <a:p>
             <a:fld id="{F05114B5-ACE0-4205-A6C5-56F0CF9A7279}" type="datetime1">
               <a:rPr lang="ko-KR" altLang="en-US" smtClean="0"/>
-              <a:t>2017-12-25</a:t>
+              <a:t>2017-12-26</a:t>
             </a:fld>
             <a:endParaRPr lang="ko-KR" altLang="en-US"/>
           </a:p>
@@ -2466,7 +2465,7 @@
           <a:p>
             <a:fld id="{19422FE9-ECAA-4B6D-8259-818A1FB82B0B}" type="datetime1">
               <a:rPr lang="ko-KR" altLang="en-US" smtClean="0"/>
-              <a:t>2017-12-25</a:t>
+              <a:t>2017-12-26</a:t>
             </a:fld>
             <a:endParaRPr lang="ko-KR" altLang="en-US"/>
           </a:p>
@@ -2583,7 +2582,7 @@
           <a:p>
             <a:fld id="{F740F3FA-79F3-427F-A27A-D0E38B013E80}" type="datetime1">
               <a:rPr lang="ko-KR" altLang="en-US" smtClean="0"/>
-              <a:t>2017-12-25</a:t>
+              <a:t>2017-12-26</a:t>
             </a:fld>
             <a:endParaRPr lang="ko-KR" altLang="en-US"/>
           </a:p>
@@ -2898,7 +2897,7 @@
           <a:p>
             <a:fld id="{D07851FE-18DC-498C-8FEF-B8EB7FFEF74E}" type="datetime1">
               <a:rPr lang="ko-KR" altLang="en-US" smtClean="0"/>
-              <a:t>2017-12-25</a:t>
+              <a:t>2017-12-26</a:t>
             </a:fld>
             <a:endParaRPr lang="ko-KR" altLang="en-US"/>
           </a:p>
@@ -3190,7 +3189,7 @@
           <a:p>
             <a:fld id="{0E58F59D-E415-412B-82E0-11EE06972FF3}" type="datetime1">
               <a:rPr lang="ko-KR" altLang="en-US" smtClean="0"/>
-              <a:t>2017-12-25</a:t>
+              <a:t>2017-12-26</a:t>
             </a:fld>
             <a:endParaRPr lang="ko-KR" altLang="en-US"/>
           </a:p>
@@ -3435,7 +3434,7 @@
           <a:p>
             <a:fld id="{3CA9F8D9-96DB-48BF-AE29-AAB4844D0A41}" type="datetime1">
               <a:rPr lang="ko-KR" altLang="en-US" smtClean="0"/>
-              <a:t>2017-12-25</a:t>
+              <a:t>2017-12-26</a:t>
             </a:fld>
             <a:endParaRPr lang="ko-KR" altLang="en-US"/>
           </a:p>
@@ -4214,415 +4213,6 @@
           <a:chExt cx="0" cy="0"/>
         </a:xfrm>
       </p:grpSpPr>
-      <p:pic>
-        <p:nvPicPr>
-          <p:cNvPr id="24" name="그림 23">
-            <a:extLst>
-              <a:ext uri="{FF2B5EF4-FFF2-40B4-BE49-F238E27FC236}">
-                <a16:creationId xmlns:a16="http://schemas.microsoft.com/office/drawing/2014/main" id="{A27406C5-C5A5-461E-BC98-A9FE024BFD96}"/>
-              </a:ext>
-            </a:extLst>
-          </p:cNvPr>
-          <p:cNvPicPr>
-            <a:picLocks noChangeAspect="1"/>
-          </p:cNvPicPr>
-          <p:nvPr/>
-        </p:nvPicPr>
-        <p:blipFill rotWithShape="1">
-          <a:blip r:embed="rId2">
-            <a:extLst>
-              <a:ext uri="{BEBA8EAE-BF5A-486C-A8C5-ECC9F3942E4B}">
-                <a14:imgProps xmlns:a14="http://schemas.microsoft.com/office/drawing/2010/main">
-                  <a14:imgLayer r:embed="rId3">
-                    <a14:imgEffect>
-                      <a14:brightnessContrast bright="-50000"/>
-                    </a14:imgEffect>
-                  </a14:imgLayer>
-                </a14:imgProps>
-              </a:ext>
-              <a:ext uri="{28A0092B-C50C-407E-A947-70E740481C1C}">
-                <a14:useLocalDpi xmlns:a14="http://schemas.microsoft.com/office/drawing/2010/main" val="0"/>
-              </a:ext>
-            </a:extLst>
-          </a:blip>
-          <a:srcRect l="79633" t="8246"/>
-          <a:stretch/>
-        </p:blipFill>
-        <p:spPr>
-          <a:xfrm>
-            <a:off x="10354236" y="591671"/>
-            <a:ext cx="2483224" cy="6254742"/>
-          </a:xfrm>
-          <a:prstGeom prst="rect">
-            <a:avLst/>
-          </a:prstGeom>
-        </p:spPr>
-      </p:pic>
-      <p:sp>
-        <p:nvSpPr>
-          <p:cNvPr id="4" name="직사각형 3">
-            <a:extLst>
-              <a:ext uri="{FF2B5EF4-FFF2-40B4-BE49-F238E27FC236}">
-                <a16:creationId xmlns:a16="http://schemas.microsoft.com/office/drawing/2014/main" id="{BE64EAF4-617F-4DB7-B2C6-DCC75448B3B9}"/>
-              </a:ext>
-            </a:extLst>
-          </p:cNvPr>
-          <p:cNvSpPr/>
-          <p:nvPr/>
-        </p:nvSpPr>
-        <p:spPr>
-          <a:xfrm>
-            <a:off x="-84841" y="2278394"/>
-            <a:ext cx="5387420" cy="2258014"/>
-          </a:xfrm>
-          <a:prstGeom prst="rect">
-            <a:avLst/>
-          </a:prstGeom>
-          <a:noFill/>
-          <a:ln w="31750">
-            <a:solidFill>
-              <a:schemeClr val="bg1"/>
-            </a:solidFill>
-          </a:ln>
-        </p:spPr>
-        <p:style>
-          <a:lnRef idx="2">
-            <a:schemeClr val="accent1">
-              <a:shade val="50000"/>
-            </a:schemeClr>
-          </a:lnRef>
-          <a:fillRef idx="1">
-            <a:schemeClr val="accent1"/>
-          </a:fillRef>
-          <a:effectRef idx="0">
-            <a:schemeClr val="accent1"/>
-          </a:effectRef>
-          <a:fontRef idx="minor">
-            <a:schemeClr val="lt1"/>
-          </a:fontRef>
-        </p:style>
-        <p:txBody>
-          <a:bodyPr rtlCol="0" anchor="ctr"/>
-          <a:lstStyle/>
-          <a:p>
-            <a:pPr algn="ctr"/>
-            <a:endParaRPr lang="ko-KR" altLang="en-US">
-              <a:solidFill>
-                <a:schemeClr val="bg1"/>
-              </a:solidFill>
-            </a:endParaRPr>
-          </a:p>
-        </p:txBody>
-      </p:sp>
-      <p:sp>
-        <p:nvSpPr>
-          <p:cNvPr id="11" name="TextBox 10">
-            <a:extLst>
-              <a:ext uri="{FF2B5EF4-FFF2-40B4-BE49-F238E27FC236}">
-                <a16:creationId xmlns:a16="http://schemas.microsoft.com/office/drawing/2014/main" id="{B8E2FC02-7088-4406-854E-C6D8DB1AB6ED}"/>
-              </a:ext>
-            </a:extLst>
-          </p:cNvPr>
-          <p:cNvSpPr txBox="1"/>
-          <p:nvPr/>
-        </p:nvSpPr>
-        <p:spPr>
-          <a:xfrm>
-            <a:off x="2008160" y="2763367"/>
-            <a:ext cx="2940164" cy="1446550"/>
-          </a:xfrm>
-          <a:prstGeom prst="rect">
-            <a:avLst/>
-          </a:prstGeom>
-          <a:noFill/>
-        </p:spPr>
-        <p:txBody>
-          <a:bodyPr wrap="none" rtlCol="0">
-            <a:spAutoFit/>
-          </a:bodyPr>
-          <a:lstStyle/>
-          <a:p>
-            <a:r>
-              <a:rPr lang="en-US" altLang="ko-KR" sz="8800" dirty="0">
-                <a:solidFill>
-                  <a:schemeClr val="bg1"/>
-                </a:solidFill>
-                <a:latin typeface="나눔스퀘어" panose="020B0600000101010101" pitchFamily="50" charset="-127"/>
-                <a:ea typeface="나눔스퀘어" panose="020B0600000101010101" pitchFamily="50" charset="-127"/>
-              </a:rPr>
-              <a:t>Index</a:t>
-            </a:r>
-            <a:endParaRPr lang="ko-KR" altLang="en-US" sz="8800" dirty="0">
-              <a:solidFill>
-                <a:schemeClr val="bg1"/>
-              </a:solidFill>
-              <a:latin typeface="나눔스퀘어" panose="020B0600000101010101" pitchFamily="50" charset="-127"/>
-              <a:ea typeface="나눔스퀘어" panose="020B0600000101010101" pitchFamily="50" charset="-127"/>
-            </a:endParaRPr>
-          </a:p>
-        </p:txBody>
-      </p:sp>
-      <p:pic>
-        <p:nvPicPr>
-          <p:cNvPr id="3" name="그림 2">
-            <a:extLst>
-              <a:ext uri="{FF2B5EF4-FFF2-40B4-BE49-F238E27FC236}">
-                <a16:creationId xmlns:a16="http://schemas.microsoft.com/office/drawing/2014/main" id="{1109261A-84BE-4493-84F8-272B396CF892}"/>
-              </a:ext>
-            </a:extLst>
-          </p:cNvPr>
-          <p:cNvPicPr>
-            <a:picLocks noChangeAspect="1"/>
-          </p:cNvPicPr>
-          <p:nvPr/>
-        </p:nvPicPr>
-        <p:blipFill rotWithShape="1">
-          <a:blip r:embed="rId4">
-            <a:extLst>
-              <a:ext uri="{28A0092B-C50C-407E-A947-70E740481C1C}">
-                <a14:useLocalDpi xmlns:a14="http://schemas.microsoft.com/office/drawing/2010/main" val="0"/>
-              </a:ext>
-            </a:extLst>
-          </a:blip>
-          <a:srcRect l="42601" t="32958" r="41820" b="38052"/>
-          <a:stretch/>
-        </p:blipFill>
-        <p:spPr>
-          <a:xfrm>
-            <a:off x="0" y="2362679"/>
-            <a:ext cx="2008159" cy="2089443"/>
-          </a:xfrm>
-          <a:prstGeom prst="rect">
-            <a:avLst/>
-          </a:prstGeom>
-        </p:spPr>
-      </p:pic>
-      <p:sp>
-        <p:nvSpPr>
-          <p:cNvPr id="6" name="TextBox 5">
-            <a:extLst>
-              <a:ext uri="{FF2B5EF4-FFF2-40B4-BE49-F238E27FC236}">
-                <a16:creationId xmlns:a16="http://schemas.microsoft.com/office/drawing/2014/main" id="{24D688F1-1D2F-420D-BB66-798D302796A2}"/>
-              </a:ext>
-            </a:extLst>
-          </p:cNvPr>
-          <p:cNvSpPr txBox="1"/>
-          <p:nvPr/>
-        </p:nvSpPr>
-        <p:spPr>
-          <a:xfrm>
-            <a:off x="8094293" y="1997839"/>
-            <a:ext cx="5144268" cy="2862322"/>
-          </a:xfrm>
-          <a:prstGeom prst="rect">
-            <a:avLst/>
-          </a:prstGeom>
-          <a:noFill/>
-        </p:spPr>
-        <p:txBody>
-          <a:bodyPr wrap="square" rtlCol="0">
-            <a:spAutoFit/>
-          </a:bodyPr>
-          <a:lstStyle/>
-          <a:p>
-            <a:pPr>
-              <a:lnSpc>
-                <a:spcPct val="150000"/>
-              </a:lnSpc>
-            </a:pPr>
-            <a:r>
-              <a:rPr lang="ko-KR" altLang="en-US" sz="4000" dirty="0">
-                <a:solidFill>
-                  <a:schemeClr val="bg1"/>
-                </a:solidFill>
-                <a:latin typeface="나눔스퀘어" panose="020B0600000101010101" pitchFamily="50" charset="-127"/>
-                <a:ea typeface="나눔스퀘어" panose="020B0600000101010101" pitchFamily="50" charset="-127"/>
-              </a:rPr>
-              <a:t>게임 소개</a:t>
-            </a:r>
-            <a:endParaRPr lang="en-US" altLang="ko-KR" sz="4000" dirty="0">
-              <a:solidFill>
-                <a:schemeClr val="bg1"/>
-              </a:solidFill>
-              <a:latin typeface="나눔스퀘어" panose="020B0600000101010101" pitchFamily="50" charset="-127"/>
-              <a:ea typeface="나눔스퀘어" panose="020B0600000101010101" pitchFamily="50" charset="-127"/>
-            </a:endParaRPr>
-          </a:p>
-          <a:p>
-            <a:pPr>
-              <a:lnSpc>
-                <a:spcPct val="150000"/>
-              </a:lnSpc>
-            </a:pPr>
-            <a:r>
-              <a:rPr lang="ko-KR" altLang="en-US" sz="4000" dirty="0">
-                <a:solidFill>
-                  <a:schemeClr val="bg1"/>
-                </a:solidFill>
-                <a:latin typeface="나눔스퀘어" panose="020B0600000101010101" pitchFamily="50" charset="-127"/>
-                <a:ea typeface="나눔스퀘어" panose="020B0600000101010101" pitchFamily="50" charset="-127"/>
-              </a:rPr>
-              <a:t>개발 진척도</a:t>
-            </a:r>
-            <a:endParaRPr lang="en-US" altLang="ko-KR" sz="4000" dirty="0">
-              <a:solidFill>
-                <a:schemeClr val="bg1"/>
-              </a:solidFill>
-              <a:latin typeface="나눔스퀘어" panose="020B0600000101010101" pitchFamily="50" charset="-127"/>
-              <a:ea typeface="나눔스퀘어" panose="020B0600000101010101" pitchFamily="50" charset="-127"/>
-            </a:endParaRPr>
-          </a:p>
-          <a:p>
-            <a:pPr>
-              <a:lnSpc>
-                <a:spcPct val="150000"/>
-              </a:lnSpc>
-            </a:pPr>
-            <a:r>
-              <a:rPr lang="ko-KR" altLang="en-US" sz="4000" dirty="0">
-                <a:solidFill>
-                  <a:schemeClr val="bg1"/>
-                </a:solidFill>
-                <a:latin typeface="나눔스퀘어" panose="020B0600000101010101" pitchFamily="50" charset="-127"/>
-                <a:ea typeface="나눔스퀘어" panose="020B0600000101010101" pitchFamily="50" charset="-127"/>
-              </a:rPr>
-              <a:t>후기</a:t>
-            </a:r>
-            <a:endParaRPr lang="en-US" altLang="ko-KR" sz="4000" dirty="0">
-              <a:solidFill>
-                <a:schemeClr val="bg1"/>
-              </a:solidFill>
-              <a:latin typeface="나눔스퀘어" panose="020B0600000101010101" pitchFamily="50" charset="-127"/>
-              <a:ea typeface="나눔스퀘어" panose="020B0600000101010101" pitchFamily="50" charset="-127"/>
-            </a:endParaRPr>
-          </a:p>
-        </p:txBody>
-      </p:sp>
-      <p:cxnSp>
-        <p:nvCxnSpPr>
-          <p:cNvPr id="5" name="직선 연결선 4">
-            <a:extLst>
-              <a:ext uri="{FF2B5EF4-FFF2-40B4-BE49-F238E27FC236}">
-                <a16:creationId xmlns:a16="http://schemas.microsoft.com/office/drawing/2014/main" id="{4964852D-E941-4744-9946-BF471FFB23FF}"/>
-              </a:ext>
-            </a:extLst>
-          </p:cNvPr>
-          <p:cNvCxnSpPr>
-            <a:cxnSpLocks/>
-            <a:stCxn id="4" idx="3"/>
-          </p:cNvCxnSpPr>
-          <p:nvPr/>
-        </p:nvCxnSpPr>
-        <p:spPr>
-          <a:xfrm>
-            <a:off x="5302579" y="3407401"/>
-            <a:ext cx="2681924" cy="0"/>
-          </a:xfrm>
-          <a:prstGeom prst="line">
-            <a:avLst/>
-          </a:prstGeom>
-          <a:ln w="31750">
-            <a:solidFill>
-              <a:schemeClr val="bg1"/>
-            </a:solidFill>
-          </a:ln>
-        </p:spPr>
-        <p:style>
-          <a:lnRef idx="1">
-            <a:schemeClr val="accent1"/>
-          </a:lnRef>
-          <a:fillRef idx="0">
-            <a:schemeClr val="accent1"/>
-          </a:fillRef>
-          <a:effectRef idx="0">
-            <a:schemeClr val="accent1"/>
-          </a:effectRef>
-          <a:fontRef idx="minor">
-            <a:schemeClr val="tx1"/>
-          </a:fontRef>
-        </p:style>
-      </p:cxnSp>
-      <p:cxnSp>
-        <p:nvCxnSpPr>
-          <p:cNvPr id="8" name="직선 연결선 7">
-            <a:extLst>
-              <a:ext uri="{FF2B5EF4-FFF2-40B4-BE49-F238E27FC236}">
-                <a16:creationId xmlns:a16="http://schemas.microsoft.com/office/drawing/2014/main" id="{11778425-4CA5-45F7-A4E6-301CC22C2545}"/>
-              </a:ext>
-            </a:extLst>
-          </p:cNvPr>
-          <p:cNvCxnSpPr>
-            <a:cxnSpLocks/>
-          </p:cNvCxnSpPr>
-          <p:nvPr/>
-        </p:nvCxnSpPr>
-        <p:spPr>
-          <a:xfrm flipV="1">
-            <a:off x="7970634" y="2341390"/>
-            <a:ext cx="0" cy="2290504"/>
-          </a:xfrm>
-          <a:prstGeom prst="line">
-            <a:avLst/>
-          </a:prstGeom>
-          <a:ln w="31750">
-            <a:solidFill>
-              <a:schemeClr val="bg1"/>
-            </a:solidFill>
-          </a:ln>
-        </p:spPr>
-        <p:style>
-          <a:lnRef idx="1">
-            <a:schemeClr val="accent1"/>
-          </a:lnRef>
-          <a:fillRef idx="0">
-            <a:schemeClr val="accent1"/>
-          </a:fillRef>
-          <a:effectRef idx="0">
-            <a:schemeClr val="accent1"/>
-          </a:effectRef>
-          <a:fontRef idx="minor">
-            <a:schemeClr val="tx1"/>
-          </a:fontRef>
-        </p:style>
-      </p:cxnSp>
-    </p:spTree>
-    <p:extLst>
-      <p:ext uri="{BB962C8B-B14F-4D97-AF65-F5344CB8AC3E}">
-        <p14:creationId xmlns:p14="http://schemas.microsoft.com/office/powerpoint/2010/main" val="2825084593"/>
-      </p:ext>
-    </p:extLst>
-  </p:cSld>
-  <p:clrMapOvr>
-    <a:masterClrMapping/>
-  </p:clrMapOvr>
-</p:sld>
-</file>
-
-<file path=ppt/slides/slide3.xml><?xml version="1.0" encoding="utf-8"?>
-<p:sld xmlns:a="http://schemas.openxmlformats.org/drawingml/2006/main" xmlns:r="http://schemas.openxmlformats.org/officeDocument/2006/relationships" xmlns:p="http://schemas.openxmlformats.org/presentationml/2006/main">
-  <p:cSld>
-    <p:bg>
-      <p:bgPr>
-        <a:solidFill>
-          <a:schemeClr val="tx1"/>
-        </a:solidFill>
-        <a:effectLst/>
-      </p:bgPr>
-    </p:bg>
-    <p:spTree>
-      <p:nvGrpSpPr>
-        <p:cNvPr id="1" name=""/>
-        <p:cNvGrpSpPr/>
-        <p:nvPr/>
-      </p:nvGrpSpPr>
-      <p:grpSpPr>
-        <a:xfrm>
-          <a:off x="0" y="0"/>
-          <a:ext cx="0" cy="0"/>
-          <a:chOff x="0" y="0"/>
-          <a:chExt cx="0" cy="0"/>
-        </a:xfrm>
-      </p:grpSpPr>
       <p:sp>
         <p:nvSpPr>
           <p:cNvPr id="11" name="TextBox 10">
@@ -4989,7 +4579,7 @@
 </p:sld>
 </file>
 
-<file path=ppt/slides/slide4.xml><?xml version="1.0" encoding="utf-8"?>
+<file path=ppt/slides/slide3.xml><?xml version="1.0" encoding="utf-8"?>
 <p:sld xmlns:a="http://schemas.openxmlformats.org/drawingml/2006/main" xmlns:r="http://schemas.openxmlformats.org/officeDocument/2006/relationships" xmlns:p="http://schemas.openxmlformats.org/presentationml/2006/main">
   <p:cSld>
     <p:bg>
@@ -7612,7 +7202,7 @@
 </p:sld>
 </file>
 
-<file path=ppt/slides/slide5.xml><?xml version="1.0" encoding="utf-8"?>
+<file path=ppt/slides/slide4.xml><?xml version="1.0" encoding="utf-8"?>
 <p:sld xmlns:a="http://schemas.openxmlformats.org/drawingml/2006/main" xmlns:r="http://schemas.openxmlformats.org/officeDocument/2006/relationships" xmlns:p="http://schemas.openxmlformats.org/presentationml/2006/main">
   <p:cSld>
     <p:bg>
@@ -7695,7 +7285,7 @@
         </p:nvSpPr>
         <p:spPr>
           <a:xfrm>
-            <a:off x="1158373" y="263971"/>
+            <a:off x="1158373" y="526729"/>
             <a:ext cx="1245854" cy="707886"/>
           </a:xfrm>
           <a:prstGeom prst="rect">
@@ -7739,7 +7329,7 @@
         </p:nvSpPr>
         <p:spPr>
           <a:xfrm>
-            <a:off x="429256" y="154320"/>
+            <a:off x="429256" y="417078"/>
             <a:ext cx="2704088" cy="971132"/>
           </a:xfrm>
           <a:prstGeom prst="rect">
@@ -7796,13 +7386,13 @@
           <p:nvPr>
             <p:extLst>
               <p:ext uri="{D42A27DB-BD31-4B8C-83A1-F6EECF244321}">
-                <p14:modId xmlns:p14="http://schemas.microsoft.com/office/powerpoint/2010/main" val="695422780"/>
+                <p14:modId xmlns:p14="http://schemas.microsoft.com/office/powerpoint/2010/main" val="2117064296"/>
               </p:ext>
             </p:extLst>
           </p:nvPr>
         </p:nvGraphicFramePr>
         <p:xfrm>
-          <a:off x="429256" y="1677952"/>
+          <a:off x="429256" y="1751524"/>
           <a:ext cx="9240261" cy="4082180"/>
         </p:xfrm>
         <a:graphic>
@@ -7866,13 +7456,16 @@
                     <a:lstStyle/>
                     <a:p>
                       <a:pPr algn="l" latinLnBrk="1"/>
-                      <a:endParaRPr lang="ko-KR" altLang="en-US" sz="1800" b="0" dirty="0">
-                        <a:solidFill>
-                          <a:schemeClr val="bg1"/>
-                        </a:solidFill>
-                        <a:latin typeface="나눔스퀘어" panose="020B0600000101010101" pitchFamily="50" charset="-127"/>
-                        <a:ea typeface="나눔스퀘어" panose="020B0600000101010101" pitchFamily="50" charset="-127"/>
-                      </a:endParaRPr>
+                      <a:r>
+                        <a:rPr lang="ko-KR" altLang="en-US" sz="1800" b="0" dirty="0">
+                          <a:solidFill>
+                            <a:schemeClr val="bg1"/>
+                          </a:solidFill>
+                          <a:latin typeface="나눔스퀘어" panose="020B0600000101010101" pitchFamily="50" charset="-127"/>
+                          <a:ea typeface="나눔스퀘어" panose="020B0600000101010101" pitchFamily="50" charset="-127"/>
+                        </a:rPr>
+                        <a:t>구현 목표 대부분 달성</a:t>
+                      </a:r>
                     </a:p>
                   </a:txBody>
                   <a:tcPr anchor="ctr">
@@ -7945,13 +7538,26 @@
                     <a:lstStyle/>
                     <a:p>
                       <a:pPr algn="l" latinLnBrk="1"/>
-                      <a:endParaRPr lang="ko-KR" altLang="en-US" sz="1800" b="0" dirty="0">
-                        <a:solidFill>
-                          <a:schemeClr val="bg1"/>
-                        </a:solidFill>
-                        <a:latin typeface="나눔스퀘어" panose="020B0600000101010101" pitchFamily="50" charset="-127"/>
-                        <a:ea typeface="나눔스퀘어" panose="020B0600000101010101" pitchFamily="50" charset="-127"/>
-                      </a:endParaRPr>
+                      <a:r>
+                        <a:rPr lang="ko-KR" altLang="en-US" sz="1800" b="0" dirty="0" err="1">
+                          <a:solidFill>
+                            <a:schemeClr val="bg1"/>
+                          </a:solidFill>
+                          <a:latin typeface="나눔스퀘어" panose="020B0600000101010101" pitchFamily="50" charset="-127"/>
+                          <a:ea typeface="나눔스퀘어" panose="020B0600000101010101" pitchFamily="50" charset="-127"/>
+                        </a:rPr>
+                        <a:t>몬스터들의</a:t>
+                      </a:r>
+                      <a:r>
+                        <a:rPr lang="ko-KR" altLang="en-US" sz="1800" b="0" dirty="0">
+                          <a:solidFill>
+                            <a:schemeClr val="bg1"/>
+                          </a:solidFill>
+                          <a:latin typeface="나눔스퀘어" panose="020B0600000101010101" pitchFamily="50" charset="-127"/>
+                          <a:ea typeface="나눔스퀘어" panose="020B0600000101010101" pitchFamily="50" charset="-127"/>
+                        </a:rPr>
+                        <a:t> 비다양성</a:t>
+                      </a:r>
                     </a:p>
                   </a:txBody>
                   <a:tcPr anchor="ctr">
@@ -7991,7 +7597,7 @@
 </p:sld>
 </file>
 
-<file path=ppt/slides/slide6.xml><?xml version="1.0" encoding="utf-8"?>
+<file path=ppt/slides/slide5.xml><?xml version="1.0" encoding="utf-8"?>
 <p:sld xmlns:a="http://schemas.openxmlformats.org/drawingml/2006/main" xmlns:r="http://schemas.openxmlformats.org/officeDocument/2006/relationships" xmlns:p="http://schemas.openxmlformats.org/presentationml/2006/main">
   <p:cSld>
     <p:bg>
@@ -8367,7 +7973,7 @@
 </p:sld>
 </file>
 
-<file path=ppt/slides/slide7.xml><?xml version="1.0" encoding="utf-8"?>
+<file path=ppt/slides/slide6.xml><?xml version="1.0" encoding="utf-8"?>
 <p:sld xmlns:a="http://schemas.openxmlformats.org/drawingml/2006/main" xmlns:r="http://schemas.openxmlformats.org/officeDocument/2006/relationships" xmlns:p="http://schemas.openxmlformats.org/presentationml/2006/main">
   <p:cSld>
     <p:bg>

--- a/4차발표/4차발표.pptx
+++ b/4차발표/4차발표.pptx
@@ -4663,7 +4663,7 @@
           <p:nvPr>
             <p:extLst>
               <p:ext uri="{D42A27DB-BD31-4B8C-83A1-F6EECF244321}">
-                <p14:modId xmlns:p14="http://schemas.microsoft.com/office/powerpoint/2010/main" val="769018544"/>
+                <p14:modId xmlns:p14="http://schemas.microsoft.com/office/powerpoint/2010/main" val="4117896454"/>
               </p:ext>
             </p:extLst>
           </p:nvPr>
@@ -5313,7 +5313,7 @@
                           <a:latin typeface="나눔스퀘어" panose="020B0600000101010101" pitchFamily="50" charset="-127"/>
                           <a:ea typeface="나눔스퀘어" panose="020B0600000101010101" pitchFamily="50" charset="-127"/>
                         </a:rPr>
-                        <a:t>플레이어 추격</a:t>
+                        <a:t>플레이어 추격 </a:t>
                       </a:r>
                       <a:r>
                         <a:rPr lang="en-US" altLang="ko-KR" sz="1600" b="0" dirty="0">
@@ -5323,7 +5323,7 @@
                           <a:latin typeface="나눔스퀘어" panose="020B0600000101010101" pitchFamily="50" charset="-127"/>
                           <a:ea typeface="나눔스퀘어" panose="020B0600000101010101" pitchFamily="50" charset="-127"/>
                         </a:rPr>
-                        <a:t>, </a:t>
+                        <a:t>/ 360º</a:t>
                       </a:r>
                       <a:r>
                         <a:rPr lang="ko-KR" altLang="en-US" sz="1600" b="0" dirty="0">
@@ -5333,7 +5333,7 @@
                           <a:latin typeface="나눔스퀘어" panose="020B0600000101010101" pitchFamily="50" charset="-127"/>
                           <a:ea typeface="나눔스퀘어" panose="020B0600000101010101" pitchFamily="50" charset="-127"/>
                         </a:rPr>
-                        <a:t>자유 이동</a:t>
+                        <a:t>회전 </a:t>
                       </a:r>
                       <a:r>
                         <a:rPr lang="en-US" altLang="ko-KR" sz="1600" b="0" dirty="0">
@@ -5343,7 +5343,7 @@
                           <a:latin typeface="나눔스퀘어" panose="020B0600000101010101" pitchFamily="50" charset="-127"/>
                           <a:ea typeface="나눔스퀘어" panose="020B0600000101010101" pitchFamily="50" charset="-127"/>
                         </a:rPr>
-                        <a:t>, </a:t>
+                        <a:t>/ </a:t>
                       </a:r>
                       <a:r>
                         <a:rPr lang="ko-KR" altLang="en-US" sz="1600" b="0" dirty="0">
@@ -5383,7 +5383,7 @@
                           <a:latin typeface="나눔스퀘어" panose="020B0600000101010101" pitchFamily="50" charset="-127"/>
                           <a:ea typeface="나눔스퀘어" panose="020B0600000101010101" pitchFamily="50" charset="-127"/>
                         </a:rPr>
-                        <a:t>추격</a:t>
+                        <a:t>추격 </a:t>
                       </a:r>
                       <a:r>
                         <a:rPr lang="en-US" altLang="ko-KR" sz="1600" b="0" dirty="0">
@@ -5393,7 +5393,7 @@
                           <a:latin typeface="나눔스퀘어" panose="020B0600000101010101" pitchFamily="50" charset="-127"/>
                           <a:ea typeface="나눔스퀘어" panose="020B0600000101010101" pitchFamily="50" charset="-127"/>
                         </a:rPr>
-                        <a:t>, </a:t>
+                        <a:t>/ 360º</a:t>
                       </a:r>
                       <a:r>
                         <a:rPr lang="ko-KR" altLang="en-US" sz="1600" b="0" dirty="0">
@@ -5403,15 +5403,38 @@
                           <a:latin typeface="나눔스퀘어" panose="020B0600000101010101" pitchFamily="50" charset="-127"/>
                           <a:ea typeface="나눔스퀘어" panose="020B0600000101010101" pitchFamily="50" charset="-127"/>
                         </a:rPr>
+                        <a:t>회전 </a:t>
+                      </a:r>
+                      <a:r>
+                        <a:rPr lang="en-US" altLang="ko-KR" sz="1600" b="0" dirty="0">
+                          <a:solidFill>
+                            <a:schemeClr val="bg1"/>
+                          </a:solidFill>
+                          <a:latin typeface="나눔스퀘어" panose="020B0600000101010101" pitchFamily="50" charset="-127"/>
+                          <a:ea typeface="나눔스퀘어" panose="020B0600000101010101" pitchFamily="50" charset="-127"/>
+                        </a:rPr>
+                        <a:t>/ </a:t>
+                      </a:r>
+                      <a:r>
+                        <a:rPr lang="ko-KR" altLang="en-US" sz="1600" b="0" dirty="0">
+                          <a:solidFill>
+                            <a:schemeClr val="bg1"/>
+                          </a:solidFill>
+                          <a:latin typeface="나눔스퀘어" panose="020B0600000101010101" pitchFamily="50" charset="-127"/>
+                          <a:ea typeface="나눔스퀘어" panose="020B0600000101010101" pitchFamily="50" charset="-127"/>
+                        </a:rPr>
                         <a:t>공격</a:t>
                       </a:r>
-                      <a:endParaRPr lang="en-US" altLang="ko-KR" sz="1600" b="0" dirty="0">
-                        <a:solidFill>
-                          <a:schemeClr val="bg1"/>
-                        </a:solidFill>
-                        <a:latin typeface="나눔스퀘어" panose="020B0600000101010101" pitchFamily="50" charset="-127"/>
-                        <a:ea typeface="나눔스퀘어" panose="020B0600000101010101" pitchFamily="50" charset="-127"/>
-                      </a:endParaRPr>
+                      <a:r>
+                        <a:rPr lang="en-US" altLang="ko-KR" sz="1600" b="0" dirty="0">
+                          <a:solidFill>
+                            <a:schemeClr val="bg1"/>
+                          </a:solidFill>
+                          <a:latin typeface="나눔스퀘어" panose="020B0600000101010101" pitchFamily="50" charset="-127"/>
+                          <a:ea typeface="나눔스퀘어" panose="020B0600000101010101" pitchFamily="50" charset="-127"/>
+                        </a:rPr>
+                        <a:t> </a:t>
+                      </a:r>
                     </a:p>
                   </a:txBody>
                   <a:tcPr anchor="ctr"/>
@@ -5446,7 +5469,7 @@
                           <a:latin typeface="나눔스퀘어" panose="020B0600000101010101" pitchFamily="50" charset="-127"/>
                           <a:ea typeface="나눔스퀘어" panose="020B0600000101010101" pitchFamily="50" charset="-127"/>
                         </a:rPr>
-                        <a:t>60%</a:t>
+                        <a:t>100%</a:t>
                       </a:r>
                       <a:endParaRPr lang="ko-KR" altLang="en-US" sz="1600" b="0" dirty="0">
                         <a:solidFill>
@@ -7386,7 +7409,7 @@
           <p:nvPr>
             <p:extLst>
               <p:ext uri="{D42A27DB-BD31-4B8C-83A1-F6EECF244321}">
-                <p14:modId xmlns:p14="http://schemas.microsoft.com/office/powerpoint/2010/main" val="2117064296"/>
+                <p14:modId xmlns:p14="http://schemas.microsoft.com/office/powerpoint/2010/main" val="358210568"/>
               </p:ext>
             </p:extLst>
           </p:nvPr>
@@ -7464,6 +7487,26 @@
                           <a:latin typeface="나눔스퀘어" panose="020B0600000101010101" pitchFamily="50" charset="-127"/>
                           <a:ea typeface="나눔스퀘어" panose="020B0600000101010101" pitchFamily="50" charset="-127"/>
                         </a:rPr>
+                        <a:t>적절한 리소스</a:t>
+                      </a:r>
+                      <a:endParaRPr lang="en-US" altLang="ko-KR" sz="1800" b="0" dirty="0">
+                        <a:solidFill>
+                          <a:schemeClr val="bg1"/>
+                        </a:solidFill>
+                        <a:latin typeface="나눔스퀘어" panose="020B0600000101010101" pitchFamily="50" charset="-127"/>
+                        <a:ea typeface="나눔스퀘어" panose="020B0600000101010101" pitchFamily="50" charset="-127"/>
+                      </a:endParaRPr>
+                    </a:p>
+                    <a:p>
+                      <a:pPr algn="l" latinLnBrk="1"/>
+                      <a:r>
+                        <a:rPr lang="ko-KR" altLang="en-US" sz="1800" b="0" dirty="0">
+                          <a:solidFill>
+                            <a:schemeClr val="bg1"/>
+                          </a:solidFill>
+                          <a:latin typeface="나눔스퀘어" panose="020B0600000101010101" pitchFamily="50" charset="-127"/>
+                          <a:ea typeface="나눔스퀘어" panose="020B0600000101010101" pitchFamily="50" charset="-127"/>
+                        </a:rPr>
                         <a:t>구현 목표 대부분 달성</a:t>
                       </a:r>
                     </a:p>
@@ -7539,16 +7582,6 @@
                     <a:p>
                       <a:pPr algn="l" latinLnBrk="1"/>
                       <a:r>
-                        <a:rPr lang="ko-KR" altLang="en-US" sz="1800" b="0" dirty="0" err="1">
-                          <a:solidFill>
-                            <a:schemeClr val="bg1"/>
-                          </a:solidFill>
-                          <a:latin typeface="나눔스퀘어" panose="020B0600000101010101" pitchFamily="50" charset="-127"/>
-                          <a:ea typeface="나눔스퀘어" panose="020B0600000101010101" pitchFamily="50" charset="-127"/>
-                        </a:rPr>
-                        <a:t>몬스터들의</a:t>
-                      </a:r>
-                      <a:r>
                         <a:rPr lang="ko-KR" altLang="en-US" sz="1800" b="0" dirty="0">
                           <a:solidFill>
                             <a:schemeClr val="bg1"/>
@@ -7556,7 +7589,27 @@
                           <a:latin typeface="나눔스퀘어" panose="020B0600000101010101" pitchFamily="50" charset="-127"/>
                           <a:ea typeface="나눔스퀘어" panose="020B0600000101010101" pitchFamily="50" charset="-127"/>
                         </a:rPr>
-                        <a:t> 비다양성</a:t>
+                        <a:t>몬스터 종류 비다양성</a:t>
+                      </a:r>
+                      <a:endParaRPr lang="en-US" altLang="ko-KR" sz="1800" b="0" dirty="0">
+                        <a:solidFill>
+                          <a:schemeClr val="bg1"/>
+                        </a:solidFill>
+                        <a:latin typeface="나눔스퀘어" panose="020B0600000101010101" pitchFamily="50" charset="-127"/>
+                        <a:ea typeface="나눔스퀘어" panose="020B0600000101010101" pitchFamily="50" charset="-127"/>
+                      </a:endParaRPr>
+                    </a:p>
+                    <a:p>
+                      <a:pPr algn="l" latinLnBrk="1"/>
+                      <a:r>
+                        <a:rPr lang="ko-KR" altLang="en-US" sz="1800" b="0" dirty="0">
+                          <a:solidFill>
+                            <a:schemeClr val="bg1"/>
+                          </a:solidFill>
+                          <a:latin typeface="나눔스퀘어" panose="020B0600000101010101" pitchFamily="50" charset="-127"/>
+                          <a:ea typeface="나눔스퀘어" panose="020B0600000101010101" pitchFamily="50" charset="-127"/>
+                        </a:rPr>
+                        <a:t>몬스터 이동에 알고리즘을 쓰지 않음</a:t>
                       </a:r>
                     </a:p>
                   </a:txBody>
